--- a/Figures/Powerpoints/Antibody clones.pptx
+++ b/Figures/Powerpoints/Antibody clones.pptx
@@ -7,6 +7,7 @@
   <p:sldIdLst>
     <p:sldId id="256" r:id="rId2"/>
     <p:sldId id="257" r:id="rId3"/>
+    <p:sldId id="258" r:id="rId4"/>
   </p:sldIdLst>
   <p:sldSz cx="12192000" cy="6858000"/>
   <p:notesSz cx="6858000" cy="9144000"/>
@@ -255,7 +256,7 @@
           <a:p>
             <a:fld id="{CD3557FE-1B80-44D7-8D52-9AAF9CA93B5C}" type="datetimeFigureOut">
               <a:rPr lang="en-GB" smtClean="0"/>
-              <a:t>28/08/2015</a:t>
+              <a:t>20/10/2015</a:t>
             </a:fld>
             <a:endParaRPr lang="en-GB"/>
           </a:p>
@@ -425,7 +426,7 @@
           <a:p>
             <a:fld id="{CD3557FE-1B80-44D7-8D52-9AAF9CA93B5C}" type="datetimeFigureOut">
               <a:rPr lang="en-GB" smtClean="0"/>
-              <a:t>28/08/2015</a:t>
+              <a:t>20/10/2015</a:t>
             </a:fld>
             <a:endParaRPr lang="en-GB"/>
           </a:p>
@@ -605,7 +606,7 @@
           <a:p>
             <a:fld id="{CD3557FE-1B80-44D7-8D52-9AAF9CA93B5C}" type="datetimeFigureOut">
               <a:rPr lang="en-GB" smtClean="0"/>
-              <a:t>28/08/2015</a:t>
+              <a:t>20/10/2015</a:t>
             </a:fld>
             <a:endParaRPr lang="en-GB"/>
           </a:p>
@@ -775,7 +776,7 @@
           <a:p>
             <a:fld id="{CD3557FE-1B80-44D7-8D52-9AAF9CA93B5C}" type="datetimeFigureOut">
               <a:rPr lang="en-GB" smtClean="0"/>
-              <a:t>28/08/2015</a:t>
+              <a:t>20/10/2015</a:t>
             </a:fld>
             <a:endParaRPr lang="en-GB"/>
           </a:p>
@@ -1021,7 +1022,7 @@
           <a:p>
             <a:fld id="{CD3557FE-1B80-44D7-8D52-9AAF9CA93B5C}" type="datetimeFigureOut">
               <a:rPr lang="en-GB" smtClean="0"/>
-              <a:t>28/08/2015</a:t>
+              <a:t>20/10/2015</a:t>
             </a:fld>
             <a:endParaRPr lang="en-GB"/>
           </a:p>
@@ -1253,7 +1254,7 @@
           <a:p>
             <a:fld id="{CD3557FE-1B80-44D7-8D52-9AAF9CA93B5C}" type="datetimeFigureOut">
               <a:rPr lang="en-GB" smtClean="0"/>
-              <a:t>28/08/2015</a:t>
+              <a:t>20/10/2015</a:t>
             </a:fld>
             <a:endParaRPr lang="en-GB"/>
           </a:p>
@@ -1620,7 +1621,7 @@
           <a:p>
             <a:fld id="{CD3557FE-1B80-44D7-8D52-9AAF9CA93B5C}" type="datetimeFigureOut">
               <a:rPr lang="en-GB" smtClean="0"/>
-              <a:t>28/08/2015</a:t>
+              <a:t>20/10/2015</a:t>
             </a:fld>
             <a:endParaRPr lang="en-GB"/>
           </a:p>
@@ -1738,7 +1739,7 @@
           <a:p>
             <a:fld id="{CD3557FE-1B80-44D7-8D52-9AAF9CA93B5C}" type="datetimeFigureOut">
               <a:rPr lang="en-GB" smtClean="0"/>
-              <a:t>28/08/2015</a:t>
+              <a:t>20/10/2015</a:t>
             </a:fld>
             <a:endParaRPr lang="en-GB"/>
           </a:p>
@@ -1833,7 +1834,7 @@
           <a:p>
             <a:fld id="{CD3557FE-1B80-44D7-8D52-9AAF9CA93B5C}" type="datetimeFigureOut">
               <a:rPr lang="en-GB" smtClean="0"/>
-              <a:t>28/08/2015</a:t>
+              <a:t>20/10/2015</a:t>
             </a:fld>
             <a:endParaRPr lang="en-GB"/>
           </a:p>
@@ -2110,7 +2111,7 @@
           <a:p>
             <a:fld id="{CD3557FE-1B80-44D7-8D52-9AAF9CA93B5C}" type="datetimeFigureOut">
               <a:rPr lang="en-GB" smtClean="0"/>
-              <a:t>28/08/2015</a:t>
+              <a:t>20/10/2015</a:t>
             </a:fld>
             <a:endParaRPr lang="en-GB"/>
           </a:p>
@@ -2363,7 +2364,7 @@
           <a:p>
             <a:fld id="{CD3557FE-1B80-44D7-8D52-9AAF9CA93B5C}" type="datetimeFigureOut">
               <a:rPr lang="en-GB" smtClean="0"/>
-              <a:t>28/08/2015</a:t>
+              <a:t>20/10/2015</a:t>
             </a:fld>
             <a:endParaRPr lang="en-GB"/>
           </a:p>
@@ -2576,7 +2577,7 @@
           <a:p>
             <a:fld id="{CD3557FE-1B80-44D7-8D52-9AAF9CA93B5C}" type="datetimeFigureOut">
               <a:rPr lang="en-GB" smtClean="0"/>
-              <a:t>28/08/2015</a:t>
+              <a:t>20/10/2015</a:t>
             </a:fld>
             <a:endParaRPr lang="en-GB"/>
           </a:p>
@@ -3058,7 +3059,7 @@
           <p:nvPr>
             <p:extLst>
               <p:ext uri="{D42A27DB-BD31-4B8C-83A1-F6EECF244321}">
-                <p14:modId xmlns:p14="http://schemas.microsoft.com/office/powerpoint/2010/main" val="2129161717"/>
+                <p14:modId xmlns:p14="http://schemas.microsoft.com/office/powerpoint/2010/main" val="1601129403"/>
               </p:ext>
             </p:extLst>
           </p:nvPr>
@@ -3412,7 +3413,15 @@
                     <a:p>
                       <a:r>
                         <a:rPr lang="en-GB" dirty="0" smtClean="0"/>
-                        <a:t>53-6.7</a:t>
+                        <a:t>53-6.7;</a:t>
+                      </a:r>
+                      <a:r>
+                        <a:rPr lang="en-GB" baseline="0" dirty="0" smtClean="0"/>
+                        <a:t> </a:t>
+                      </a:r>
+                      <a:r>
+                        <a:rPr lang="en-GB" dirty="0" smtClean="0"/>
+                        <a:t>56.3.7</a:t>
                       </a:r>
                       <a:endParaRPr lang="en-GB" dirty="0"/>
                     </a:p>
@@ -3428,6 +3437,14 @@
                         <a:rPr lang="en-GB" dirty="0" err="1" smtClean="0"/>
                         <a:t>eBioscience</a:t>
                       </a:r>
+                      <a:r>
+                        <a:rPr lang="en-GB" dirty="0" smtClean="0"/>
+                        <a:t>, </a:t>
+                      </a:r>
+                      <a:r>
+                        <a:rPr lang="en-GB" dirty="0" err="1" smtClean="0"/>
+                        <a:t>BioXcell</a:t>
+                      </a:r>
                       <a:endParaRPr lang="en-GB" dirty="0"/>
                     </a:p>
                   </a:txBody>
@@ -3542,13 +3559,30 @@
                     <a:bodyPr/>
                     <a:lstStyle/>
                     <a:p>
-                      <a:r>
-                        <a:rPr lang="en-GB" dirty="0" smtClean="0"/>
-                        <a:t>GK1.5;</a:t>
-                      </a:r>
+                      <a:pPr marL="0" marR="0" indent="0" algn="l" defTabSz="914400" rtl="0" eaLnBrk="1" fontAlgn="auto" latinLnBrk="0" hangingPunct="1">
+                        <a:lnSpc>
+                          <a:spcPct val="100000"/>
+                        </a:lnSpc>
+                        <a:spcBef>
+                          <a:spcPts val="0"/>
+                        </a:spcBef>
+                        <a:spcAft>
+                          <a:spcPts val="0"/>
+                        </a:spcAft>
+                        <a:buClrTx/>
+                        <a:buSzTx/>
+                        <a:buFontTx/>
+                        <a:buNone/>
+                        <a:tabLst/>
+                        <a:defRPr/>
+                      </a:pPr>
                       <a:r>
                         <a:rPr lang="en-GB" baseline="0" dirty="0" smtClean="0"/>
-                        <a:t> RM4-5</a:t>
+                        <a:t>RM4-5; </a:t>
+                      </a:r>
+                      <a:r>
+                        <a:rPr lang="en-GB" dirty="0" smtClean="0"/>
+                        <a:t>GK1.5</a:t>
                       </a:r>
                       <a:endParaRPr lang="en-GB" dirty="0"/>
                     </a:p>
@@ -3564,6 +3598,14 @@
                         <a:rPr lang="en-GB" dirty="0" err="1" smtClean="0"/>
                         <a:t>eBioscience</a:t>
                       </a:r>
+                      <a:r>
+                        <a:rPr lang="en-GB" dirty="0" smtClean="0"/>
+                        <a:t>, </a:t>
+                      </a:r>
+                      <a:r>
+                        <a:rPr lang="en-GB" dirty="0" err="1" smtClean="0"/>
+                        <a:t>BioXcell</a:t>
+                      </a:r>
                       <a:endParaRPr lang="en-GB" dirty="0"/>
                     </a:p>
                   </a:txBody>
@@ -3682,16 +3724,24 @@
                     <a:bodyPr/>
                     <a:lstStyle/>
                     <a:p>
-                      <a:endParaRPr lang="en-GB" dirty="0"/>
-                    </a:p>
-                  </a:txBody>
-                  <a:tcPr/>
-                </a:tc>
-                <a:tc>
-                  <a:txBody>
-                    <a:bodyPr/>
-                    <a:lstStyle/>
-                    <a:p>
+                      <a:r>
+                        <a:rPr lang="en-GB" dirty="0" smtClean="0"/>
+                        <a:t>PC61</a:t>
+                      </a:r>
+                      <a:endParaRPr lang="en-GB" dirty="0"/>
+                    </a:p>
+                  </a:txBody>
+                  <a:tcPr/>
+                </a:tc>
+                <a:tc>
+                  <a:txBody>
+                    <a:bodyPr/>
+                    <a:lstStyle/>
+                    <a:p>
+                      <a:r>
+                        <a:rPr lang="en-GB" dirty="0" err="1" smtClean="0"/>
+                        <a:t>eBioscience</a:t>
+                      </a:r>
                       <a:endParaRPr lang="en-GB" dirty="0"/>
                     </a:p>
                   </a:txBody>
@@ -3838,6 +3888,906 @@
     <p:extLst>
       <p:ext uri="{BB962C8B-B14F-4D97-AF65-F5344CB8AC3E}">
         <p14:creationId xmlns:p14="http://schemas.microsoft.com/office/powerpoint/2010/main" val="3052792423"/>
+      </p:ext>
+    </p:extLst>
+  </p:cSld>
+  <p:clrMapOvr>
+    <a:masterClrMapping/>
+  </p:clrMapOvr>
+</p:sld>
+</file>
+
+<file path=ppt/slides/slide3.xml><?xml version="1.0" encoding="utf-8"?>
+<p:sld xmlns:a="http://schemas.openxmlformats.org/drawingml/2006/main" xmlns:r="http://schemas.openxmlformats.org/officeDocument/2006/relationships" xmlns:p="http://schemas.openxmlformats.org/presentationml/2006/main">
+  <p:cSld>
+    <p:spTree>
+      <p:nvGrpSpPr>
+        <p:cNvPr id="1" name=""/>
+        <p:cNvGrpSpPr/>
+        <p:nvPr/>
+      </p:nvGrpSpPr>
+      <p:grpSpPr>
+        <a:xfrm>
+          <a:off x="0" y="0"/>
+          <a:ext cx="0" cy="0"/>
+          <a:chOff x="0" y="0"/>
+          <a:chExt cx="0" cy="0"/>
+        </a:xfrm>
+      </p:grpSpPr>
+      <p:graphicFrame>
+        <p:nvGraphicFramePr>
+          <p:cNvPr id="2" name="Table 1"/>
+          <p:cNvGraphicFramePr>
+            <a:graphicFrameLocks noGrp="1"/>
+          </p:cNvGraphicFramePr>
+          <p:nvPr>
+            <p:extLst>
+              <p:ext uri="{D42A27DB-BD31-4B8C-83A1-F6EECF244321}">
+                <p14:modId xmlns:p14="http://schemas.microsoft.com/office/powerpoint/2010/main" val="4104933140"/>
+              </p:ext>
+            </p:extLst>
+          </p:nvPr>
+        </p:nvGraphicFramePr>
+        <p:xfrm>
+          <a:off x="2032000" y="91440"/>
+          <a:ext cx="8127999" cy="6675120"/>
+        </p:xfrm>
+        <a:graphic>
+          <a:graphicData uri="http://schemas.openxmlformats.org/drawingml/2006/table">
+            <a:tbl>
+              <a:tblPr firstRow="1" bandRow="1">
+                <a:tableStyleId>{5C22544A-7EE6-4342-B048-85BDC9FD1C3A}</a:tableStyleId>
+              </a:tblPr>
+              <a:tblGrid>
+                <a:gridCol w="2709333"/>
+                <a:gridCol w="2709333"/>
+                <a:gridCol w="2709333"/>
+              </a:tblGrid>
+              <a:tr h="370840">
+                <a:tc>
+                  <a:txBody>
+                    <a:bodyPr/>
+                    <a:lstStyle/>
+                    <a:p>
+                      <a:r>
+                        <a:rPr lang="en-GB" dirty="0" smtClean="0"/>
+                        <a:t>Antibody</a:t>
+                      </a:r>
+                      <a:endParaRPr lang="en-GB" dirty="0"/>
+                    </a:p>
+                  </a:txBody>
+                  <a:tcPr/>
+                </a:tc>
+                <a:tc>
+                  <a:txBody>
+                    <a:bodyPr/>
+                    <a:lstStyle/>
+                    <a:p>
+                      <a:r>
+                        <a:rPr lang="en-GB" dirty="0" smtClean="0"/>
+                        <a:t>Clone</a:t>
+                      </a:r>
+                      <a:endParaRPr lang="en-GB" dirty="0"/>
+                    </a:p>
+                  </a:txBody>
+                  <a:tcPr/>
+                </a:tc>
+                <a:tc>
+                  <a:txBody>
+                    <a:bodyPr/>
+                    <a:lstStyle/>
+                    <a:p>
+                      <a:r>
+                        <a:rPr lang="en-GB" dirty="0" smtClean="0"/>
+                        <a:t>Supplier</a:t>
+                      </a:r>
+                      <a:endParaRPr lang="en-GB" dirty="0"/>
+                    </a:p>
+                  </a:txBody>
+                  <a:tcPr/>
+                </a:tc>
+              </a:tr>
+              <a:tr h="370840">
+                <a:tc>
+                  <a:txBody>
+                    <a:bodyPr/>
+                    <a:lstStyle/>
+                    <a:p>
+                      <a:r>
+                        <a:rPr lang="en-GB" dirty="0" smtClean="0"/>
+                        <a:t>CD4</a:t>
+                      </a:r>
+                      <a:endParaRPr lang="en-GB" dirty="0"/>
+                    </a:p>
+                  </a:txBody>
+                  <a:tcPr/>
+                </a:tc>
+                <a:tc>
+                  <a:txBody>
+                    <a:bodyPr/>
+                    <a:lstStyle/>
+                    <a:p>
+                      <a:pPr marL="0" marR="0" indent="0" algn="l" defTabSz="914400" rtl="0" eaLnBrk="1" fontAlgn="auto" latinLnBrk="0" hangingPunct="1">
+                        <a:lnSpc>
+                          <a:spcPct val="100000"/>
+                        </a:lnSpc>
+                        <a:spcBef>
+                          <a:spcPts val="0"/>
+                        </a:spcBef>
+                        <a:spcAft>
+                          <a:spcPts val="0"/>
+                        </a:spcAft>
+                        <a:buClrTx/>
+                        <a:buSzTx/>
+                        <a:buFontTx/>
+                        <a:buNone/>
+                        <a:tabLst/>
+                        <a:defRPr/>
+                      </a:pPr>
+                      <a:r>
+                        <a:rPr lang="en-GB" baseline="0" dirty="0" smtClean="0"/>
+                        <a:t>RM4-5; </a:t>
+                      </a:r>
+                      <a:r>
+                        <a:rPr lang="en-GB" dirty="0" smtClean="0"/>
+                        <a:t>GK1.5</a:t>
+                      </a:r>
+                      <a:endParaRPr lang="en-GB" dirty="0"/>
+                    </a:p>
+                  </a:txBody>
+                  <a:tcPr/>
+                </a:tc>
+                <a:tc>
+                  <a:txBody>
+                    <a:bodyPr/>
+                    <a:lstStyle/>
+                    <a:p>
+                      <a:r>
+                        <a:rPr lang="en-GB" dirty="0" err="1" smtClean="0"/>
+                        <a:t>eBioscience</a:t>
+                      </a:r>
+                      <a:r>
+                        <a:rPr lang="en-GB" dirty="0" smtClean="0"/>
+                        <a:t>, </a:t>
+                      </a:r>
+                      <a:r>
+                        <a:rPr lang="en-GB" dirty="0" err="1" smtClean="0"/>
+                        <a:t>BioXcell</a:t>
+                      </a:r>
+                      <a:endParaRPr lang="en-GB" dirty="0"/>
+                    </a:p>
+                  </a:txBody>
+                  <a:tcPr/>
+                </a:tc>
+              </a:tr>
+              <a:tr h="370840">
+                <a:tc>
+                  <a:txBody>
+                    <a:bodyPr/>
+                    <a:lstStyle/>
+                    <a:p>
+                      <a:r>
+                        <a:rPr lang="en-GB" dirty="0" smtClean="0"/>
+                        <a:t>CD8</a:t>
+                      </a:r>
+                      <a:endParaRPr lang="en-GB" dirty="0"/>
+                    </a:p>
+                  </a:txBody>
+                  <a:tcPr/>
+                </a:tc>
+                <a:tc>
+                  <a:txBody>
+                    <a:bodyPr/>
+                    <a:lstStyle/>
+                    <a:p>
+                      <a:r>
+                        <a:rPr lang="en-GB" dirty="0" smtClean="0"/>
+                        <a:t>53-6.7;</a:t>
+                      </a:r>
+                      <a:r>
+                        <a:rPr lang="en-GB" baseline="0" dirty="0" smtClean="0"/>
+                        <a:t> </a:t>
+                      </a:r>
+                      <a:r>
+                        <a:rPr lang="en-GB" dirty="0" smtClean="0"/>
+                        <a:t>56.3.7</a:t>
+                      </a:r>
+                      <a:endParaRPr lang="en-GB" dirty="0"/>
+                    </a:p>
+                  </a:txBody>
+                  <a:tcPr/>
+                </a:tc>
+                <a:tc>
+                  <a:txBody>
+                    <a:bodyPr/>
+                    <a:lstStyle/>
+                    <a:p>
+                      <a:r>
+                        <a:rPr lang="en-GB" dirty="0" err="1" smtClean="0"/>
+                        <a:t>eBioscience</a:t>
+                      </a:r>
+                      <a:r>
+                        <a:rPr lang="en-GB" dirty="0" smtClean="0"/>
+                        <a:t>, </a:t>
+                      </a:r>
+                      <a:r>
+                        <a:rPr lang="en-GB" dirty="0" err="1" smtClean="0"/>
+                        <a:t>BioXcell</a:t>
+                      </a:r>
+                      <a:endParaRPr lang="en-GB" dirty="0"/>
+                    </a:p>
+                  </a:txBody>
+                  <a:tcPr/>
+                </a:tc>
+              </a:tr>
+              <a:tr h="370840">
+                <a:tc>
+                  <a:txBody>
+                    <a:bodyPr/>
+                    <a:lstStyle/>
+                    <a:p>
+                      <a:r>
+                        <a:rPr lang="en-GB" dirty="0" smtClean="0"/>
+                        <a:t>CD19</a:t>
+                      </a:r>
+                      <a:endParaRPr lang="en-GB" dirty="0"/>
+                    </a:p>
+                  </a:txBody>
+                  <a:tcPr/>
+                </a:tc>
+                <a:tc>
+                  <a:txBody>
+                    <a:bodyPr/>
+                    <a:lstStyle/>
+                    <a:p>
+                      <a:r>
+                        <a:rPr lang="en-GB" dirty="0" smtClean="0"/>
+                        <a:t>eBio1D3</a:t>
+                      </a:r>
+                      <a:endParaRPr lang="en-GB" dirty="0"/>
+                    </a:p>
+                  </a:txBody>
+                  <a:tcPr/>
+                </a:tc>
+                <a:tc>
+                  <a:txBody>
+                    <a:bodyPr/>
+                    <a:lstStyle/>
+                    <a:p>
+                      <a:r>
+                        <a:rPr lang="en-GB" dirty="0" err="1" smtClean="0"/>
+                        <a:t>eBioscience</a:t>
+                      </a:r>
+                      <a:endParaRPr lang="en-GB" dirty="0"/>
+                    </a:p>
+                  </a:txBody>
+                  <a:tcPr/>
+                </a:tc>
+              </a:tr>
+              <a:tr h="370840">
+                <a:tc>
+                  <a:txBody>
+                    <a:bodyPr/>
+                    <a:lstStyle/>
+                    <a:p>
+                      <a:r>
+                        <a:rPr lang="en-GB" dirty="0" smtClean="0"/>
+                        <a:t>CD43</a:t>
+                      </a:r>
+                      <a:endParaRPr lang="en-GB" dirty="0"/>
+                    </a:p>
+                  </a:txBody>
+                  <a:tcPr/>
+                </a:tc>
+                <a:tc>
+                  <a:txBody>
+                    <a:bodyPr/>
+                    <a:lstStyle/>
+                    <a:p>
+                      <a:r>
+                        <a:rPr lang="en-GB" dirty="0" smtClean="0"/>
+                        <a:t>eBioR2/60</a:t>
+                      </a:r>
+                      <a:endParaRPr lang="en-GB" dirty="0"/>
+                    </a:p>
+                  </a:txBody>
+                  <a:tcPr/>
+                </a:tc>
+                <a:tc>
+                  <a:txBody>
+                    <a:bodyPr/>
+                    <a:lstStyle/>
+                    <a:p>
+                      <a:r>
+                        <a:rPr lang="en-GB" dirty="0" err="1" smtClean="0"/>
+                        <a:t>eBioscience</a:t>
+                      </a:r>
+                      <a:endParaRPr lang="en-GB" dirty="0"/>
+                    </a:p>
+                  </a:txBody>
+                  <a:tcPr/>
+                </a:tc>
+              </a:tr>
+              <a:tr h="370840">
+                <a:tc>
+                  <a:txBody>
+                    <a:bodyPr/>
+                    <a:lstStyle/>
+                    <a:p>
+                      <a:r>
+                        <a:rPr lang="en-GB" dirty="0" smtClean="0"/>
+                        <a:t>IgM</a:t>
+                      </a:r>
+                      <a:endParaRPr lang="en-GB" dirty="0"/>
+                    </a:p>
+                  </a:txBody>
+                  <a:tcPr/>
+                </a:tc>
+                <a:tc>
+                  <a:txBody>
+                    <a:bodyPr/>
+                    <a:lstStyle/>
+                    <a:p>
+                      <a:r>
+                        <a:rPr lang="en-GB" dirty="0" smtClean="0"/>
+                        <a:t>11/41</a:t>
+                      </a:r>
+                      <a:endParaRPr lang="en-GB" dirty="0"/>
+                    </a:p>
+                  </a:txBody>
+                  <a:tcPr/>
+                </a:tc>
+                <a:tc>
+                  <a:txBody>
+                    <a:bodyPr/>
+                    <a:lstStyle/>
+                    <a:p>
+                      <a:r>
+                        <a:rPr lang="en-GB" dirty="0" err="1" smtClean="0"/>
+                        <a:t>eBioscience</a:t>
+                      </a:r>
+                      <a:endParaRPr lang="en-GB" dirty="0"/>
+                    </a:p>
+                  </a:txBody>
+                  <a:tcPr/>
+                </a:tc>
+              </a:tr>
+              <a:tr h="370840">
+                <a:tc>
+                  <a:txBody>
+                    <a:bodyPr/>
+                    <a:lstStyle/>
+                    <a:p>
+                      <a:r>
+                        <a:rPr lang="en-GB" dirty="0" smtClean="0"/>
+                        <a:t>Sca-1</a:t>
+                      </a:r>
+                      <a:endParaRPr lang="en-GB" dirty="0"/>
+                    </a:p>
+                  </a:txBody>
+                  <a:tcPr/>
+                </a:tc>
+                <a:tc>
+                  <a:txBody>
+                    <a:bodyPr/>
+                    <a:lstStyle/>
+                    <a:p>
+                      <a:r>
+                        <a:rPr lang="en-GB" dirty="0" smtClean="0"/>
+                        <a:t>D7</a:t>
+                      </a:r>
+                      <a:endParaRPr lang="en-GB" dirty="0"/>
+                    </a:p>
+                  </a:txBody>
+                  <a:tcPr/>
+                </a:tc>
+                <a:tc>
+                  <a:txBody>
+                    <a:bodyPr/>
+                    <a:lstStyle/>
+                    <a:p>
+                      <a:r>
+                        <a:rPr lang="en-GB" dirty="0" err="1" smtClean="0"/>
+                        <a:t>eBioscience</a:t>
+                      </a:r>
+                      <a:endParaRPr lang="en-GB" dirty="0"/>
+                    </a:p>
+                  </a:txBody>
+                  <a:tcPr/>
+                </a:tc>
+              </a:tr>
+              <a:tr h="370840">
+                <a:tc>
+                  <a:txBody>
+                    <a:bodyPr/>
+                    <a:lstStyle/>
+                    <a:p>
+                      <a:r>
+                        <a:rPr lang="en-GB" dirty="0" smtClean="0"/>
+                        <a:t>C-kit</a:t>
+                      </a:r>
+                      <a:endParaRPr lang="en-GB" dirty="0"/>
+                    </a:p>
+                  </a:txBody>
+                  <a:tcPr/>
+                </a:tc>
+                <a:tc>
+                  <a:txBody>
+                    <a:bodyPr/>
+                    <a:lstStyle/>
+                    <a:p>
+                      <a:r>
+                        <a:rPr lang="en-GB" dirty="0" smtClean="0"/>
+                        <a:t>2B8</a:t>
+                      </a:r>
+                      <a:endParaRPr lang="en-GB" dirty="0"/>
+                    </a:p>
+                  </a:txBody>
+                  <a:tcPr/>
+                </a:tc>
+                <a:tc>
+                  <a:txBody>
+                    <a:bodyPr/>
+                    <a:lstStyle/>
+                    <a:p>
+                      <a:r>
+                        <a:rPr lang="en-GB" dirty="0" err="1" smtClean="0"/>
+                        <a:t>eBioscience</a:t>
+                      </a:r>
+                      <a:endParaRPr lang="en-GB" dirty="0"/>
+                    </a:p>
+                  </a:txBody>
+                  <a:tcPr/>
+                </a:tc>
+              </a:tr>
+              <a:tr h="370840">
+                <a:tc>
+                  <a:txBody>
+                    <a:bodyPr/>
+                    <a:lstStyle/>
+                    <a:p>
+                      <a:r>
+                        <a:rPr lang="en-GB" dirty="0" smtClean="0"/>
+                        <a:t>Flt3</a:t>
+                      </a:r>
+                      <a:endParaRPr lang="en-GB" dirty="0"/>
+                    </a:p>
+                  </a:txBody>
+                  <a:tcPr/>
+                </a:tc>
+                <a:tc>
+                  <a:txBody>
+                    <a:bodyPr/>
+                    <a:lstStyle/>
+                    <a:p>
+                      <a:endParaRPr lang="en-GB" dirty="0"/>
+                    </a:p>
+                  </a:txBody>
+                  <a:tcPr/>
+                </a:tc>
+                <a:tc>
+                  <a:txBody>
+                    <a:bodyPr/>
+                    <a:lstStyle/>
+                    <a:p>
+                      <a:endParaRPr lang="en-GB" dirty="0"/>
+                    </a:p>
+                  </a:txBody>
+                  <a:tcPr/>
+                </a:tc>
+              </a:tr>
+              <a:tr h="370840">
+                <a:tc>
+                  <a:txBody>
+                    <a:bodyPr/>
+                    <a:lstStyle/>
+                    <a:p>
+                      <a:r>
+                        <a:rPr lang="en-GB" dirty="0" smtClean="0"/>
+                        <a:t>Il-7R</a:t>
+                      </a:r>
+                      <a:r>
+                        <a:rPr lang="el-GR" dirty="0" smtClean="0"/>
+                        <a:t>α</a:t>
+                      </a:r>
+                      <a:endParaRPr lang="en-GB" dirty="0"/>
+                    </a:p>
+                  </a:txBody>
+                  <a:tcPr/>
+                </a:tc>
+                <a:tc>
+                  <a:txBody>
+                    <a:bodyPr/>
+                    <a:lstStyle/>
+                    <a:p>
+                      <a:r>
+                        <a:rPr lang="en-GB" dirty="0" smtClean="0"/>
+                        <a:t>A7R34</a:t>
+                      </a:r>
+                      <a:endParaRPr lang="en-GB" dirty="0"/>
+                    </a:p>
+                  </a:txBody>
+                  <a:tcPr/>
+                </a:tc>
+                <a:tc>
+                  <a:txBody>
+                    <a:bodyPr/>
+                    <a:lstStyle/>
+                    <a:p>
+                      <a:r>
+                        <a:rPr lang="en-GB" dirty="0" err="1" smtClean="0"/>
+                        <a:t>eBioscience</a:t>
+                      </a:r>
+                      <a:endParaRPr lang="en-GB" dirty="0"/>
+                    </a:p>
+                  </a:txBody>
+                  <a:tcPr/>
+                </a:tc>
+              </a:tr>
+              <a:tr h="370840">
+                <a:tc>
+                  <a:txBody>
+                    <a:bodyPr/>
+                    <a:lstStyle/>
+                    <a:p>
+                      <a:r>
+                        <a:rPr lang="en-GB" dirty="0" smtClean="0"/>
+                        <a:t>Ly6D</a:t>
+                      </a:r>
+                      <a:endParaRPr lang="en-GB" dirty="0"/>
+                    </a:p>
+                  </a:txBody>
+                  <a:tcPr/>
+                </a:tc>
+                <a:tc>
+                  <a:txBody>
+                    <a:bodyPr/>
+                    <a:lstStyle/>
+                    <a:p>
+                      <a:r>
+                        <a:rPr lang="en-GB" dirty="0" smtClean="0"/>
+                        <a:t>49-H4</a:t>
+                      </a:r>
+                      <a:endParaRPr lang="en-GB" dirty="0"/>
+                    </a:p>
+                  </a:txBody>
+                  <a:tcPr/>
+                </a:tc>
+                <a:tc>
+                  <a:txBody>
+                    <a:bodyPr/>
+                    <a:lstStyle/>
+                    <a:p>
+                      <a:r>
+                        <a:rPr lang="en-GB" dirty="0" err="1" smtClean="0"/>
+                        <a:t>eBioscience</a:t>
+                      </a:r>
+                      <a:endParaRPr lang="en-GB" dirty="0"/>
+                    </a:p>
+                  </a:txBody>
+                  <a:tcPr/>
+                </a:tc>
+              </a:tr>
+              <a:tr h="370840">
+                <a:tc>
+                  <a:txBody>
+                    <a:bodyPr/>
+                    <a:lstStyle/>
+                    <a:p>
+                      <a:r>
+                        <a:rPr lang="en-GB" dirty="0" smtClean="0"/>
+                        <a:t>CD16/32</a:t>
+                      </a:r>
+                      <a:endParaRPr lang="en-GB" dirty="0"/>
+                    </a:p>
+                  </a:txBody>
+                  <a:tcPr/>
+                </a:tc>
+                <a:tc>
+                  <a:txBody>
+                    <a:bodyPr/>
+                    <a:lstStyle/>
+                    <a:p>
+                      <a:r>
+                        <a:rPr lang="en-GB" dirty="0" smtClean="0"/>
+                        <a:t>93</a:t>
+                      </a:r>
+                      <a:endParaRPr lang="en-GB" dirty="0"/>
+                    </a:p>
+                  </a:txBody>
+                  <a:tcPr/>
+                </a:tc>
+                <a:tc>
+                  <a:txBody>
+                    <a:bodyPr/>
+                    <a:lstStyle/>
+                    <a:p>
+                      <a:r>
+                        <a:rPr lang="en-GB" dirty="0" err="1" smtClean="0"/>
+                        <a:t>eBioscience</a:t>
+                      </a:r>
+                      <a:endParaRPr lang="en-GB" dirty="0"/>
+                    </a:p>
+                  </a:txBody>
+                  <a:tcPr/>
+                </a:tc>
+              </a:tr>
+              <a:tr h="370840">
+                <a:tc>
+                  <a:txBody>
+                    <a:bodyPr/>
+                    <a:lstStyle/>
+                    <a:p>
+                      <a:r>
+                        <a:rPr lang="en-GB" dirty="0" smtClean="0"/>
+                        <a:t>CD25</a:t>
+                      </a:r>
+                      <a:endParaRPr lang="en-GB" dirty="0"/>
+                    </a:p>
+                  </a:txBody>
+                  <a:tcPr/>
+                </a:tc>
+                <a:tc>
+                  <a:txBody>
+                    <a:bodyPr/>
+                    <a:lstStyle/>
+                    <a:p>
+                      <a:r>
+                        <a:rPr lang="en-GB" dirty="0" smtClean="0"/>
+                        <a:t>PC61</a:t>
+                      </a:r>
+                      <a:endParaRPr lang="en-GB" dirty="0"/>
+                    </a:p>
+                  </a:txBody>
+                  <a:tcPr/>
+                </a:tc>
+                <a:tc>
+                  <a:txBody>
+                    <a:bodyPr/>
+                    <a:lstStyle/>
+                    <a:p>
+                      <a:r>
+                        <a:rPr lang="en-GB" dirty="0" err="1" smtClean="0"/>
+                        <a:t>eBioscience</a:t>
+                      </a:r>
+                      <a:endParaRPr lang="en-GB" dirty="0"/>
+                    </a:p>
+                  </a:txBody>
+                  <a:tcPr/>
+                </a:tc>
+              </a:tr>
+              <a:tr h="370840">
+                <a:tc>
+                  <a:txBody>
+                    <a:bodyPr/>
+                    <a:lstStyle/>
+                    <a:p>
+                      <a:r>
+                        <a:rPr lang="en-GB" dirty="0" smtClean="0"/>
+                        <a:t>CD44</a:t>
+                      </a:r>
+                      <a:endParaRPr lang="en-GB" dirty="0"/>
+                    </a:p>
+                  </a:txBody>
+                  <a:tcPr/>
+                </a:tc>
+                <a:tc>
+                  <a:txBody>
+                    <a:bodyPr/>
+                    <a:lstStyle/>
+                    <a:p>
+                      <a:r>
+                        <a:rPr lang="en-GB" dirty="0" smtClean="0"/>
+                        <a:t>IM7</a:t>
+                      </a:r>
+                      <a:endParaRPr lang="en-GB" dirty="0"/>
+                    </a:p>
+                  </a:txBody>
+                  <a:tcPr/>
+                </a:tc>
+                <a:tc>
+                  <a:txBody>
+                    <a:bodyPr/>
+                    <a:lstStyle/>
+                    <a:p>
+                      <a:r>
+                        <a:rPr lang="en-GB" dirty="0" err="1" smtClean="0"/>
+                        <a:t>eBioscience</a:t>
+                      </a:r>
+                      <a:endParaRPr lang="en-GB" dirty="0"/>
+                    </a:p>
+                  </a:txBody>
+                  <a:tcPr/>
+                </a:tc>
+              </a:tr>
+              <a:tr h="370840">
+                <a:tc>
+                  <a:txBody>
+                    <a:bodyPr/>
+                    <a:lstStyle/>
+                    <a:p>
+                      <a:r>
+                        <a:rPr lang="en-GB" dirty="0" smtClean="0"/>
+                        <a:t>CD11c</a:t>
+                      </a:r>
+                      <a:endParaRPr lang="en-GB" dirty="0"/>
+                    </a:p>
+                  </a:txBody>
+                  <a:tcPr/>
+                </a:tc>
+                <a:tc>
+                  <a:txBody>
+                    <a:bodyPr/>
+                    <a:lstStyle/>
+                    <a:p>
+                      <a:r>
+                        <a:rPr lang="en-GB" dirty="0" smtClean="0"/>
+                        <a:t>N418</a:t>
+                      </a:r>
+                      <a:endParaRPr lang="en-GB" dirty="0"/>
+                    </a:p>
+                  </a:txBody>
+                  <a:tcPr/>
+                </a:tc>
+                <a:tc>
+                  <a:txBody>
+                    <a:bodyPr/>
+                    <a:lstStyle/>
+                    <a:p>
+                      <a:r>
+                        <a:rPr lang="en-GB" dirty="0" err="1" smtClean="0"/>
+                        <a:t>eBioscience</a:t>
+                      </a:r>
+                      <a:endParaRPr lang="en-GB" dirty="0"/>
+                    </a:p>
+                  </a:txBody>
+                  <a:tcPr/>
+                </a:tc>
+              </a:tr>
+              <a:tr h="370840">
+                <a:tc>
+                  <a:txBody>
+                    <a:bodyPr/>
+                    <a:lstStyle/>
+                    <a:p>
+                      <a:r>
+                        <a:rPr lang="en-GB" dirty="0" smtClean="0"/>
+                        <a:t>B220</a:t>
+                      </a:r>
+                      <a:endParaRPr lang="en-GB" dirty="0"/>
+                    </a:p>
+                  </a:txBody>
+                  <a:tcPr/>
+                </a:tc>
+                <a:tc>
+                  <a:txBody>
+                    <a:bodyPr/>
+                    <a:lstStyle/>
+                    <a:p>
+                      <a:r>
+                        <a:rPr lang="en-GB" dirty="0" smtClean="0"/>
+                        <a:t>RA3-6B2</a:t>
+                      </a:r>
+                      <a:endParaRPr lang="en-GB" dirty="0"/>
+                    </a:p>
+                  </a:txBody>
+                  <a:tcPr/>
+                </a:tc>
+                <a:tc>
+                  <a:txBody>
+                    <a:bodyPr/>
+                    <a:lstStyle/>
+                    <a:p>
+                      <a:r>
+                        <a:rPr lang="en-GB" dirty="0" err="1" smtClean="0"/>
+                        <a:t>eBioscience</a:t>
+                      </a:r>
+                      <a:endParaRPr lang="en-GB" dirty="0"/>
+                    </a:p>
+                  </a:txBody>
+                  <a:tcPr/>
+                </a:tc>
+              </a:tr>
+              <a:tr h="370840">
+                <a:tc>
+                  <a:txBody>
+                    <a:bodyPr/>
+                    <a:lstStyle/>
+                    <a:p>
+                      <a:r>
+                        <a:rPr lang="en-GB" dirty="0" err="1" smtClean="0"/>
+                        <a:t>TcR</a:t>
+                      </a:r>
+                      <a:r>
+                        <a:rPr lang="el-GR" dirty="0" smtClean="0"/>
+                        <a:t>β</a:t>
+                      </a:r>
+                      <a:endParaRPr lang="en-GB" dirty="0"/>
+                    </a:p>
+                  </a:txBody>
+                  <a:tcPr/>
+                </a:tc>
+                <a:tc>
+                  <a:txBody>
+                    <a:bodyPr/>
+                    <a:lstStyle/>
+                    <a:p>
+                      <a:r>
+                        <a:rPr lang="en-GB" dirty="0" smtClean="0"/>
+                        <a:t>H57-597</a:t>
+                      </a:r>
+                      <a:endParaRPr lang="en-GB" dirty="0"/>
+                    </a:p>
+                  </a:txBody>
+                  <a:tcPr/>
+                </a:tc>
+                <a:tc>
+                  <a:txBody>
+                    <a:bodyPr/>
+                    <a:lstStyle/>
+                    <a:p>
+                      <a:r>
+                        <a:rPr lang="en-GB" dirty="0" err="1" smtClean="0"/>
+                        <a:t>eBioscience</a:t>
+                      </a:r>
+                      <a:endParaRPr lang="en-GB" dirty="0"/>
+                    </a:p>
+                  </a:txBody>
+                  <a:tcPr/>
+                </a:tc>
+              </a:tr>
+              <a:tr h="370840">
+                <a:tc>
+                  <a:txBody>
+                    <a:bodyPr/>
+                    <a:lstStyle/>
+                    <a:p>
+                      <a:r>
+                        <a:rPr lang="en-GB" dirty="0" smtClean="0"/>
+                        <a:t>Streptavidin</a:t>
+                      </a:r>
+                      <a:endParaRPr lang="en-GB" dirty="0"/>
+                    </a:p>
+                  </a:txBody>
+                  <a:tcPr/>
+                </a:tc>
+                <a:tc>
+                  <a:txBody>
+                    <a:bodyPr/>
+                    <a:lstStyle/>
+                    <a:p>
+                      <a:endParaRPr lang="en-GB" dirty="0"/>
+                    </a:p>
+                  </a:txBody>
+                  <a:tcPr/>
+                </a:tc>
+                <a:tc>
+                  <a:txBody>
+                    <a:bodyPr/>
+                    <a:lstStyle/>
+                    <a:p>
+                      <a:r>
+                        <a:rPr lang="en-GB" dirty="0" smtClean="0"/>
+                        <a:t>BD </a:t>
+                      </a:r>
+                      <a:r>
+                        <a:rPr lang="en-GB" dirty="0" err="1" smtClean="0"/>
+                        <a:t>Pharmingen</a:t>
+                      </a:r>
+                      <a:endParaRPr lang="en-GB" dirty="0"/>
+                    </a:p>
+                  </a:txBody>
+                  <a:tcPr/>
+                </a:tc>
+              </a:tr>
+            </a:tbl>
+          </a:graphicData>
+        </a:graphic>
+      </p:graphicFrame>
+    </p:spTree>
+    <p:extLst>
+      <p:ext uri="{BB962C8B-B14F-4D97-AF65-F5344CB8AC3E}">
+        <p14:creationId xmlns:p14="http://schemas.microsoft.com/office/powerpoint/2010/main" val="2311747401"/>
       </p:ext>
     </p:extLst>
   </p:cSld>

--- a/Figures/Powerpoints/Antibody clones.pptx
+++ b/Figures/Powerpoints/Antibody clones.pptx
@@ -3923,7 +3923,7 @@
           <p:nvPr>
             <p:extLst>
               <p:ext uri="{D42A27DB-BD31-4B8C-83A1-F6EECF244321}">
-                <p14:modId xmlns:p14="http://schemas.microsoft.com/office/powerpoint/2010/main" val="4104933140"/>
+                <p14:modId xmlns:p14="http://schemas.microsoft.com/office/powerpoint/2010/main" val="621963729"/>
               </p:ext>
             </p:extLst>
           </p:nvPr>
@@ -4360,16 +4360,24 @@
                     <a:bodyPr/>
                     <a:lstStyle/>
                     <a:p>
-                      <a:endParaRPr lang="en-GB" dirty="0"/>
-                    </a:p>
-                  </a:txBody>
-                  <a:tcPr/>
-                </a:tc>
-                <a:tc>
-                  <a:txBody>
-                    <a:bodyPr/>
-                    <a:lstStyle/>
-                    <a:p>
+                      <a:r>
+                        <a:rPr lang="en-GB" dirty="0" smtClean="0"/>
+                        <a:t>A2F10</a:t>
+                      </a:r>
+                      <a:endParaRPr lang="en-GB" dirty="0"/>
+                    </a:p>
+                  </a:txBody>
+                  <a:tcPr/>
+                </a:tc>
+                <a:tc>
+                  <a:txBody>
+                    <a:bodyPr/>
+                    <a:lstStyle/>
+                    <a:p>
+                      <a:r>
+                        <a:rPr lang="en-GB" dirty="0" err="1" smtClean="0"/>
+                        <a:t>eBioscience</a:t>
+                      </a:r>
                       <a:endParaRPr lang="en-GB" dirty="0"/>
                     </a:p>
                   </a:txBody>
@@ -4756,6 +4764,10 @@
                     <a:bodyPr/>
                     <a:lstStyle/>
                     <a:p>
+                      <a:r>
+                        <a:rPr lang="en-GB" dirty="0" smtClean="0"/>
+                        <a:t>-</a:t>
+                      </a:r>
                       <a:endParaRPr lang="en-GB" dirty="0"/>
                     </a:p>
                   </a:txBody>
